--- a/Презентация7.pptx
+++ b/Презентация7.pptx
@@ -19,6 +19,19 @@
     <p:sldId id="267" r:id="rId13"/>
     <p:sldId id="272" r:id="rId14"/>
     <p:sldId id="273" r:id="rId15"/>
+    <p:sldId id="274" r:id="rId16"/>
+    <p:sldId id="275" r:id="rId17"/>
+    <p:sldId id="276" r:id="rId18"/>
+    <p:sldId id="277" r:id="rId19"/>
+    <p:sldId id="278" r:id="rId20"/>
+    <p:sldId id="279" r:id="rId21"/>
+    <p:sldId id="280" r:id="rId22"/>
+    <p:sldId id="281" r:id="rId23"/>
+    <p:sldId id="282" r:id="rId24"/>
+    <p:sldId id="283" r:id="rId25"/>
+    <p:sldId id="284" r:id="rId26"/>
+    <p:sldId id="285" r:id="rId27"/>
+    <p:sldId id="286" r:id="rId28"/>
   </p:sldIdLst>
   <p:sldSz cx="12192000" cy="6858000"/>
   <p:notesSz cx="6858000" cy="9144000"/>
@@ -256,7 +269,7 @@
           <a:p>
             <a:fld id="{FC830E70-4674-4225-85C0-67806EE16295}" type="datetimeFigureOut">
               <a:rPr lang="ru-RU" smtClean="0"/>
-              <a:t>08.01.2024</a:t>
+              <a:t>14.01.2024</a:t>
             </a:fld>
             <a:endParaRPr lang="ru-RU"/>
           </a:p>
@@ -426,7 +439,7 @@
           <a:p>
             <a:fld id="{FC830E70-4674-4225-85C0-67806EE16295}" type="datetimeFigureOut">
               <a:rPr lang="ru-RU" smtClean="0"/>
-              <a:t>08.01.2024</a:t>
+              <a:t>14.01.2024</a:t>
             </a:fld>
             <a:endParaRPr lang="ru-RU"/>
           </a:p>
@@ -606,7 +619,7 @@
           <a:p>
             <a:fld id="{FC830E70-4674-4225-85C0-67806EE16295}" type="datetimeFigureOut">
               <a:rPr lang="ru-RU" smtClean="0"/>
-              <a:t>08.01.2024</a:t>
+              <a:t>14.01.2024</a:t>
             </a:fld>
             <a:endParaRPr lang="ru-RU"/>
           </a:p>
@@ -776,7 +789,7 @@
           <a:p>
             <a:fld id="{FC830E70-4674-4225-85C0-67806EE16295}" type="datetimeFigureOut">
               <a:rPr lang="ru-RU" smtClean="0"/>
-              <a:t>08.01.2024</a:t>
+              <a:t>14.01.2024</a:t>
             </a:fld>
             <a:endParaRPr lang="ru-RU"/>
           </a:p>
@@ -1022,7 +1035,7 @@
           <a:p>
             <a:fld id="{FC830E70-4674-4225-85C0-67806EE16295}" type="datetimeFigureOut">
               <a:rPr lang="ru-RU" smtClean="0"/>
-              <a:t>08.01.2024</a:t>
+              <a:t>14.01.2024</a:t>
             </a:fld>
             <a:endParaRPr lang="ru-RU"/>
           </a:p>
@@ -1254,7 +1267,7 @@
           <a:p>
             <a:fld id="{FC830E70-4674-4225-85C0-67806EE16295}" type="datetimeFigureOut">
               <a:rPr lang="ru-RU" smtClean="0"/>
-              <a:t>08.01.2024</a:t>
+              <a:t>14.01.2024</a:t>
             </a:fld>
             <a:endParaRPr lang="ru-RU"/>
           </a:p>
@@ -1621,7 +1634,7 @@
           <a:p>
             <a:fld id="{FC830E70-4674-4225-85C0-67806EE16295}" type="datetimeFigureOut">
               <a:rPr lang="ru-RU" smtClean="0"/>
-              <a:t>08.01.2024</a:t>
+              <a:t>14.01.2024</a:t>
             </a:fld>
             <a:endParaRPr lang="ru-RU"/>
           </a:p>
@@ -1739,7 +1752,7 @@
           <a:p>
             <a:fld id="{FC830E70-4674-4225-85C0-67806EE16295}" type="datetimeFigureOut">
               <a:rPr lang="ru-RU" smtClean="0"/>
-              <a:t>08.01.2024</a:t>
+              <a:t>14.01.2024</a:t>
             </a:fld>
             <a:endParaRPr lang="ru-RU"/>
           </a:p>
@@ -1834,7 +1847,7 @@
           <a:p>
             <a:fld id="{FC830E70-4674-4225-85C0-67806EE16295}" type="datetimeFigureOut">
               <a:rPr lang="ru-RU" smtClean="0"/>
-              <a:t>08.01.2024</a:t>
+              <a:t>14.01.2024</a:t>
             </a:fld>
             <a:endParaRPr lang="ru-RU"/>
           </a:p>
@@ -2111,7 +2124,7 @@
           <a:p>
             <a:fld id="{FC830E70-4674-4225-85C0-67806EE16295}" type="datetimeFigureOut">
               <a:rPr lang="ru-RU" smtClean="0"/>
-              <a:t>08.01.2024</a:t>
+              <a:t>14.01.2024</a:t>
             </a:fld>
             <a:endParaRPr lang="ru-RU"/>
           </a:p>
@@ -2364,7 +2377,7 @@
           <a:p>
             <a:fld id="{FC830E70-4674-4225-85C0-67806EE16295}" type="datetimeFigureOut">
               <a:rPr lang="ru-RU" smtClean="0"/>
-              <a:t>08.01.2024</a:t>
+              <a:t>14.01.2024</a:t>
             </a:fld>
             <a:endParaRPr lang="ru-RU"/>
           </a:p>
@@ -2577,7 +2590,7 @@
           <a:p>
             <a:fld id="{FC830E70-4674-4225-85C0-67806EE16295}" type="datetimeFigureOut">
               <a:rPr lang="ru-RU" smtClean="0"/>
-              <a:t>08.01.2024</a:t>
+              <a:t>14.01.2024</a:t>
             </a:fld>
             <a:endParaRPr lang="ru-RU"/>
           </a:p>
@@ -4262,6 +4275,498 @@
 </p:sld>
 </file>
 
+<file path=ppt/slides/slide15.xml><?xml version="1.0" encoding="utf-8"?>
+<p:sld xmlns:a="http://schemas.openxmlformats.org/drawingml/2006/main" xmlns:r="http://schemas.openxmlformats.org/officeDocument/2006/relationships" xmlns:p="http://schemas.openxmlformats.org/presentationml/2006/main">
+  <p:cSld>
+    <p:spTree>
+      <p:nvGrpSpPr>
+        <p:cNvPr id="1" name=""/>
+        <p:cNvGrpSpPr/>
+        <p:nvPr/>
+      </p:nvGrpSpPr>
+      <p:grpSpPr>
+        <a:xfrm>
+          <a:off x="0" y="0"/>
+          <a:ext cx="0" cy="0"/>
+          <a:chOff x="0" y="0"/>
+          <a:chExt cx="0" cy="0"/>
+        </a:xfrm>
+      </p:grpSpPr>
+      <p:sp>
+        <p:nvSpPr>
+          <p:cNvPr id="2" name="Заголовок 1"/>
+          <p:cNvSpPr>
+            <a:spLocks noGrp="1"/>
+          </p:cNvSpPr>
+          <p:nvPr>
+            <p:ph type="title"/>
+          </p:nvPr>
+        </p:nvSpPr>
+        <p:spPr/>
+        <p:txBody>
+          <a:bodyPr/>
+          <a:lstStyle/>
+          <a:p>
+            <a:r>
+              <a:rPr lang="ru-RU" dirty="0">
+                <a:solidFill>
+                  <a:srgbClr val="FF0000"/>
+                </a:solidFill>
+              </a:rPr>
+              <a:t>(@</a:t>
+            </a:r>
+            <a:r>
+              <a:rPr lang="ru-RU" dirty="0" err="1" smtClean="0">
+                <a:solidFill>
+                  <a:srgbClr val="FF0000"/>
+                </a:solidFill>
+              </a:rPr>
+              <a:t>staticmethod</a:t>
+            </a:r>
+            <a:r>
+              <a:rPr lang="ru-RU" dirty="0" smtClean="0">
+                <a:solidFill>
+                  <a:srgbClr val="FF0000"/>
+                </a:solidFill>
+              </a:rPr>
+              <a:t> и @</a:t>
+            </a:r>
+            <a:r>
+              <a:rPr lang="ru-RU" dirty="0" err="1">
+                <a:solidFill>
+                  <a:srgbClr val="FF0000"/>
+                </a:solidFill>
+              </a:rPr>
+              <a:t>classmethod</a:t>
+            </a:r>
+            <a:r>
+              <a:rPr lang="ru-RU" dirty="0">
+                <a:solidFill>
+                  <a:srgbClr val="FF0000"/>
+                </a:solidFill>
+              </a:rPr>
+              <a:t>)</a:t>
+            </a:r>
+          </a:p>
+        </p:txBody>
+      </p:sp>
+      <p:sp>
+        <p:nvSpPr>
+          <p:cNvPr id="3" name="Объект 2"/>
+          <p:cNvSpPr>
+            <a:spLocks noGrp="1"/>
+          </p:cNvSpPr>
+          <p:nvPr>
+            <p:ph idx="1"/>
+          </p:nvPr>
+        </p:nvSpPr>
+        <p:spPr/>
+        <p:txBody>
+          <a:bodyPr/>
+          <a:lstStyle/>
+          <a:p>
+            <a:pPr marL="0" indent="0">
+              <a:buNone/>
+            </a:pPr>
+            <a:endParaRPr lang="ru-RU" dirty="0"/>
+          </a:p>
+          <a:p>
+            <a:pPr marL="0" indent="0">
+              <a:buNone/>
+            </a:pPr>
+            <a:r>
+              <a:rPr lang="ru-RU" dirty="0" smtClean="0"/>
+              <a:t>В </a:t>
+            </a:r>
+            <a:r>
+              <a:rPr lang="ru-RU" dirty="0" err="1"/>
+              <a:t>Python</a:t>
+            </a:r>
+            <a:r>
+              <a:rPr lang="ru-RU" dirty="0"/>
+              <a:t> есть два типа методов, которые могут быть использованы в классах: статические методы </a:t>
+            </a:r>
+            <a:r>
+              <a:rPr lang="ru-RU" dirty="0">
+                <a:solidFill>
+                  <a:srgbClr val="FF0000"/>
+                </a:solidFill>
+              </a:rPr>
+              <a:t>(@</a:t>
+            </a:r>
+            <a:r>
+              <a:rPr lang="ru-RU" dirty="0" err="1">
+                <a:solidFill>
+                  <a:srgbClr val="FF0000"/>
+                </a:solidFill>
+              </a:rPr>
+              <a:t>staticmethod</a:t>
+            </a:r>
+            <a:r>
+              <a:rPr lang="ru-RU" dirty="0"/>
+              <a:t>) и методы класса </a:t>
+            </a:r>
+            <a:r>
+              <a:rPr lang="ru-RU" dirty="0">
+                <a:solidFill>
+                  <a:srgbClr val="FF0000"/>
+                </a:solidFill>
+              </a:rPr>
+              <a:t>(@</a:t>
+            </a:r>
+            <a:r>
+              <a:rPr lang="ru-RU" dirty="0" err="1">
+                <a:solidFill>
+                  <a:srgbClr val="FF0000"/>
+                </a:solidFill>
+              </a:rPr>
+              <a:t>classmethod</a:t>
+            </a:r>
+            <a:r>
+              <a:rPr lang="ru-RU" dirty="0"/>
+              <a:t>). Рассмотрим оба варианта с примерами.</a:t>
+            </a:r>
+          </a:p>
+        </p:txBody>
+      </p:sp>
+    </p:spTree>
+    <p:extLst>
+      <p:ext uri="{BB962C8B-B14F-4D97-AF65-F5344CB8AC3E}">
+        <p14:creationId xmlns:p14="http://schemas.microsoft.com/office/powerpoint/2010/main" val="1205790855"/>
+      </p:ext>
+    </p:extLst>
+  </p:cSld>
+  <p:clrMapOvr>
+    <a:masterClrMapping/>
+  </p:clrMapOvr>
+</p:sld>
+</file>
+
+<file path=ppt/slides/slide16.xml><?xml version="1.0" encoding="utf-8"?>
+<p:sld xmlns:a="http://schemas.openxmlformats.org/drawingml/2006/main" xmlns:r="http://schemas.openxmlformats.org/officeDocument/2006/relationships" xmlns:p="http://schemas.openxmlformats.org/presentationml/2006/main">
+  <p:cSld>
+    <p:spTree>
+      <p:nvGrpSpPr>
+        <p:cNvPr id="1" name=""/>
+        <p:cNvGrpSpPr/>
+        <p:nvPr/>
+      </p:nvGrpSpPr>
+      <p:grpSpPr>
+        <a:xfrm>
+          <a:off x="0" y="0"/>
+          <a:ext cx="0" cy="0"/>
+          <a:chOff x="0" y="0"/>
+          <a:chExt cx="0" cy="0"/>
+        </a:xfrm>
+      </p:grpSpPr>
+      <p:sp>
+        <p:nvSpPr>
+          <p:cNvPr id="2" name="Заголовок 1"/>
+          <p:cNvSpPr>
+            <a:spLocks noGrp="1"/>
+          </p:cNvSpPr>
+          <p:nvPr>
+            <p:ph type="title"/>
+          </p:nvPr>
+        </p:nvSpPr>
+        <p:spPr>
+          <a:xfrm>
+            <a:off x="838200" y="365126"/>
+            <a:ext cx="10515600" cy="925290"/>
+          </a:xfrm>
+        </p:spPr>
+        <p:txBody>
+          <a:bodyPr/>
+          <a:lstStyle/>
+          <a:p>
+            <a:r>
+              <a:rPr lang="ru-RU" b="1" dirty="0"/>
+              <a:t>Статические методы (@</a:t>
+            </a:r>
+            <a:r>
+              <a:rPr lang="ru-RU" b="1" dirty="0" err="1"/>
+              <a:t>staticmethod</a:t>
+            </a:r>
+            <a:r>
+              <a:rPr lang="ru-RU" b="1" dirty="0" smtClean="0"/>
+              <a:t>)</a:t>
+            </a:r>
+            <a:endParaRPr lang="ru-RU" b="1" dirty="0"/>
+          </a:p>
+        </p:txBody>
+      </p:sp>
+      <p:sp>
+        <p:nvSpPr>
+          <p:cNvPr id="3" name="Объект 2"/>
+          <p:cNvSpPr>
+            <a:spLocks noGrp="1"/>
+          </p:cNvSpPr>
+          <p:nvPr>
+            <p:ph idx="1"/>
+          </p:nvPr>
+        </p:nvSpPr>
+        <p:spPr>
+          <a:xfrm>
+            <a:off x="838200" y="1290416"/>
+            <a:ext cx="10515600" cy="4886547"/>
+          </a:xfrm>
+        </p:spPr>
+        <p:txBody>
+          <a:bodyPr/>
+          <a:lstStyle/>
+          <a:p>
+            <a:pPr marL="0" indent="0">
+              <a:buNone/>
+            </a:pPr>
+            <a:r>
+              <a:rPr lang="ru-RU" dirty="0" smtClean="0"/>
+              <a:t>Статические методы привязаны к классу, а не к экземпляру класса. Они не могут обращаться к атрибутам экземпляра или к другим методам класса, так как они не имеют доступа к </a:t>
+            </a:r>
+            <a:r>
+              <a:rPr lang="ru-RU" dirty="0" err="1" smtClean="0"/>
+              <a:t>self</a:t>
+            </a:r>
+            <a:r>
+              <a:rPr lang="ru-RU" dirty="0" smtClean="0"/>
+              <a:t>. Однако они могут быть использованы для выполнения задач, связанных с классом в целом.</a:t>
+            </a:r>
+          </a:p>
+          <a:p>
+            <a:pPr marL="0" indent="0">
+              <a:buNone/>
+            </a:pPr>
+            <a:endParaRPr lang="ru-RU" dirty="0"/>
+          </a:p>
+        </p:txBody>
+      </p:sp>
+    </p:spTree>
+    <p:extLst>
+      <p:ext uri="{BB962C8B-B14F-4D97-AF65-F5344CB8AC3E}">
+        <p14:creationId xmlns:p14="http://schemas.microsoft.com/office/powerpoint/2010/main" val="3012106529"/>
+      </p:ext>
+    </p:extLst>
+  </p:cSld>
+  <p:clrMapOvr>
+    <a:masterClrMapping/>
+  </p:clrMapOvr>
+</p:sld>
+</file>
+
+<file path=ppt/slides/slide17.xml><?xml version="1.0" encoding="utf-8"?>
+<p:sld xmlns:a="http://schemas.openxmlformats.org/drawingml/2006/main" xmlns:r="http://schemas.openxmlformats.org/officeDocument/2006/relationships" xmlns:p="http://schemas.openxmlformats.org/presentationml/2006/main">
+  <p:cSld>
+    <p:spTree>
+      <p:nvGrpSpPr>
+        <p:cNvPr id="1" name=""/>
+        <p:cNvGrpSpPr/>
+        <p:nvPr/>
+      </p:nvGrpSpPr>
+      <p:grpSpPr>
+        <a:xfrm>
+          <a:off x="0" y="0"/>
+          <a:ext cx="0" cy="0"/>
+          <a:chOff x="0" y="0"/>
+          <a:chExt cx="0" cy="0"/>
+        </a:xfrm>
+      </p:grpSpPr>
+      <p:pic>
+        <p:nvPicPr>
+          <p:cNvPr id="4" name="Объект 3"/>
+          <p:cNvPicPr>
+            <a:picLocks noGrp="1" noChangeAspect="1"/>
+          </p:cNvPicPr>
+          <p:nvPr>
+            <p:ph idx="1"/>
+          </p:nvPr>
+        </p:nvPicPr>
+        <p:blipFill>
+          <a:blip r:embed="rId2"/>
+          <a:stretch>
+            <a:fillRect/>
+          </a:stretch>
+        </p:blipFill>
+        <p:spPr>
+          <a:xfrm>
+            <a:off x="1528006" y="197124"/>
+            <a:ext cx="9196966" cy="6334457"/>
+          </a:xfrm>
+          <a:prstGeom prst="rect">
+            <a:avLst/>
+          </a:prstGeom>
+        </p:spPr>
+      </p:pic>
+    </p:spTree>
+    <p:extLst>
+      <p:ext uri="{BB962C8B-B14F-4D97-AF65-F5344CB8AC3E}">
+        <p14:creationId xmlns:p14="http://schemas.microsoft.com/office/powerpoint/2010/main" val="2835499794"/>
+      </p:ext>
+    </p:extLst>
+  </p:cSld>
+  <p:clrMapOvr>
+    <a:masterClrMapping/>
+  </p:clrMapOvr>
+</p:sld>
+</file>
+
+<file path=ppt/slides/slide18.xml><?xml version="1.0" encoding="utf-8"?>
+<p:sld xmlns:a="http://schemas.openxmlformats.org/drawingml/2006/main" xmlns:r="http://schemas.openxmlformats.org/officeDocument/2006/relationships" xmlns:p="http://schemas.openxmlformats.org/presentationml/2006/main">
+  <p:cSld>
+    <p:spTree>
+      <p:nvGrpSpPr>
+        <p:cNvPr id="1" name=""/>
+        <p:cNvGrpSpPr/>
+        <p:nvPr/>
+      </p:nvGrpSpPr>
+      <p:grpSpPr>
+        <a:xfrm>
+          <a:off x="0" y="0"/>
+          <a:ext cx="0" cy="0"/>
+          <a:chOff x="0" y="0"/>
+          <a:chExt cx="0" cy="0"/>
+        </a:xfrm>
+      </p:grpSpPr>
+      <p:sp>
+        <p:nvSpPr>
+          <p:cNvPr id="2" name="Заголовок 1"/>
+          <p:cNvSpPr>
+            <a:spLocks noGrp="1"/>
+          </p:cNvSpPr>
+          <p:nvPr>
+            <p:ph type="title"/>
+          </p:nvPr>
+        </p:nvSpPr>
+        <p:spPr/>
+        <p:txBody>
+          <a:bodyPr/>
+          <a:lstStyle/>
+          <a:p>
+            <a:r>
+              <a:rPr lang="ru-RU" b="1" dirty="0"/>
+              <a:t>Методы класса (@</a:t>
+            </a:r>
+            <a:r>
+              <a:rPr lang="ru-RU" b="1" dirty="0" err="1"/>
+              <a:t>classmethod</a:t>
+            </a:r>
+            <a:r>
+              <a:rPr lang="ru-RU" b="1" dirty="0" smtClean="0"/>
+              <a:t>)</a:t>
+            </a:r>
+            <a:endParaRPr lang="ru-RU" b="1" dirty="0"/>
+          </a:p>
+        </p:txBody>
+      </p:sp>
+      <p:sp>
+        <p:nvSpPr>
+          <p:cNvPr id="3" name="Объект 2"/>
+          <p:cNvSpPr>
+            <a:spLocks noGrp="1"/>
+          </p:cNvSpPr>
+          <p:nvPr>
+            <p:ph idx="1"/>
+          </p:nvPr>
+        </p:nvSpPr>
+        <p:spPr>
+          <a:xfrm>
+            <a:off x="838200" y="1512606"/>
+            <a:ext cx="10515600" cy="4664357"/>
+          </a:xfrm>
+        </p:spPr>
+        <p:txBody>
+          <a:bodyPr/>
+          <a:lstStyle/>
+          <a:p>
+            <a:pPr marL="0" indent="0">
+              <a:buNone/>
+            </a:pPr>
+            <a:r>
+              <a:rPr lang="ru-RU" dirty="0" smtClean="0"/>
+              <a:t>Методы </a:t>
+            </a:r>
+            <a:r>
+              <a:rPr lang="ru-RU" dirty="0"/>
+              <a:t>класса привязаны к классу и имеют доступ к его атрибутам. Они получают первым параметром класс, который обычно называется </a:t>
+            </a:r>
+            <a:r>
+              <a:rPr lang="ru-RU" dirty="0" err="1"/>
+              <a:t>cls</a:t>
+            </a:r>
+            <a:r>
+              <a:rPr lang="ru-RU" dirty="0"/>
+              <a:t>, и могут использоваться, например, для создания экземпляров класса.</a:t>
+            </a:r>
+          </a:p>
+        </p:txBody>
+      </p:sp>
+    </p:spTree>
+    <p:extLst>
+      <p:ext uri="{BB962C8B-B14F-4D97-AF65-F5344CB8AC3E}">
+        <p14:creationId xmlns:p14="http://schemas.microsoft.com/office/powerpoint/2010/main" val="2721490292"/>
+      </p:ext>
+    </p:extLst>
+  </p:cSld>
+  <p:clrMapOvr>
+    <a:masterClrMapping/>
+  </p:clrMapOvr>
+</p:sld>
+</file>
+
+<file path=ppt/slides/slide19.xml><?xml version="1.0" encoding="utf-8"?>
+<p:sld xmlns:a="http://schemas.openxmlformats.org/drawingml/2006/main" xmlns:r="http://schemas.openxmlformats.org/officeDocument/2006/relationships" xmlns:p="http://schemas.openxmlformats.org/presentationml/2006/main">
+  <p:cSld>
+    <p:spTree>
+      <p:nvGrpSpPr>
+        <p:cNvPr id="1" name=""/>
+        <p:cNvGrpSpPr/>
+        <p:nvPr/>
+      </p:nvGrpSpPr>
+      <p:grpSpPr>
+        <a:xfrm>
+          <a:off x="0" y="0"/>
+          <a:ext cx="0" cy="0"/>
+          <a:chOff x="0" y="0"/>
+          <a:chExt cx="0" cy="0"/>
+        </a:xfrm>
+      </p:grpSpPr>
+      <p:pic>
+        <p:nvPicPr>
+          <p:cNvPr id="4" name="Объект 3"/>
+          <p:cNvPicPr>
+            <a:picLocks noGrp="1" noChangeAspect="1"/>
+          </p:cNvPicPr>
+          <p:nvPr>
+            <p:ph idx="1"/>
+          </p:nvPr>
+        </p:nvPicPr>
+        <p:blipFill>
+          <a:blip r:embed="rId2"/>
+          <a:stretch>
+            <a:fillRect/>
+          </a:stretch>
+        </p:blipFill>
+        <p:spPr>
+          <a:xfrm>
+            <a:off x="3106485" y="246885"/>
+            <a:ext cx="5652954" cy="6224785"/>
+          </a:xfrm>
+          <a:prstGeom prst="rect">
+            <a:avLst/>
+          </a:prstGeom>
+        </p:spPr>
+      </p:pic>
+    </p:spTree>
+    <p:extLst>
+      <p:ext uri="{BB962C8B-B14F-4D97-AF65-F5344CB8AC3E}">
+        <p14:creationId xmlns:p14="http://schemas.microsoft.com/office/powerpoint/2010/main" val="2284416696"/>
+      </p:ext>
+    </p:extLst>
+  </p:cSld>
+  <p:clrMapOvr>
+    <a:masterClrMapping/>
+  </p:clrMapOvr>
+</p:sld>
+</file>
+
 <file path=ppt/slides/slide2.xml><?xml version="1.0" encoding="utf-8"?>
 <p:sld xmlns:a="http://schemas.openxmlformats.org/drawingml/2006/main" xmlns:r="http://schemas.openxmlformats.org/officeDocument/2006/relationships" xmlns:p="http://schemas.openxmlformats.org/presentationml/2006/main">
   <p:cSld>
@@ -4388,6 +4893,1032 @@
     <p:extLst>
       <p:ext uri="{BB962C8B-B14F-4D97-AF65-F5344CB8AC3E}">
         <p14:creationId xmlns:p14="http://schemas.microsoft.com/office/powerpoint/2010/main" val="2138761412"/>
+      </p:ext>
+    </p:extLst>
+  </p:cSld>
+  <p:clrMapOvr>
+    <a:masterClrMapping/>
+  </p:clrMapOvr>
+</p:sld>
+</file>
+
+<file path=ppt/slides/slide20.xml><?xml version="1.0" encoding="utf-8"?>
+<p:sld xmlns:a="http://schemas.openxmlformats.org/drawingml/2006/main" xmlns:r="http://schemas.openxmlformats.org/officeDocument/2006/relationships" xmlns:p="http://schemas.openxmlformats.org/presentationml/2006/main">
+  <p:cSld>
+    <p:spTree>
+      <p:nvGrpSpPr>
+        <p:cNvPr id="1" name=""/>
+        <p:cNvGrpSpPr/>
+        <p:nvPr/>
+      </p:nvGrpSpPr>
+      <p:grpSpPr>
+        <a:xfrm>
+          <a:off x="0" y="0"/>
+          <a:ext cx="0" cy="0"/>
+          <a:chOff x="0" y="0"/>
+          <a:chExt cx="0" cy="0"/>
+        </a:xfrm>
+      </p:grpSpPr>
+      <p:sp>
+        <p:nvSpPr>
+          <p:cNvPr id="2" name="Заголовок 1"/>
+          <p:cNvSpPr>
+            <a:spLocks noGrp="1"/>
+          </p:cNvSpPr>
+          <p:nvPr>
+            <p:ph type="title"/>
+          </p:nvPr>
+        </p:nvSpPr>
+        <p:spPr/>
+        <p:txBody>
+          <a:bodyPr/>
+          <a:lstStyle/>
+          <a:p>
+            <a:r>
+              <a:rPr lang="ru-RU" b="1" dirty="0"/>
+              <a:t>Принципы ООП на </a:t>
+            </a:r>
+            <a:r>
+              <a:rPr lang="en-US" b="1" dirty="0" smtClean="0"/>
+              <a:t>Python</a:t>
+            </a:r>
+            <a:endParaRPr lang="ru-RU" b="1" dirty="0"/>
+          </a:p>
+        </p:txBody>
+      </p:sp>
+      <p:sp>
+        <p:nvSpPr>
+          <p:cNvPr id="3" name="Объект 2"/>
+          <p:cNvSpPr>
+            <a:spLocks noGrp="1"/>
+          </p:cNvSpPr>
+          <p:nvPr>
+            <p:ph idx="1"/>
+          </p:nvPr>
+        </p:nvSpPr>
+        <p:spPr/>
+        <p:txBody>
+          <a:bodyPr/>
+          <a:lstStyle/>
+          <a:p>
+            <a:r>
+              <a:rPr lang="ru-RU" b="1" dirty="0"/>
+              <a:t>Наследование</a:t>
+            </a:r>
+          </a:p>
+          <a:p>
+            <a:r>
+              <a:rPr lang="ru-RU" b="1" dirty="0"/>
+              <a:t>Инкапсуляция</a:t>
+            </a:r>
+          </a:p>
+          <a:p>
+            <a:r>
+              <a:rPr lang="ru-RU" b="1" dirty="0"/>
+              <a:t>Полиморфизм</a:t>
+            </a:r>
+          </a:p>
+          <a:p>
+            <a:pPr marL="0" indent="0">
+              <a:buNone/>
+            </a:pPr>
+            <a:endParaRPr lang="ru-RU" b="1" dirty="0"/>
+          </a:p>
+          <a:p>
+            <a:endParaRPr lang="ru-RU" dirty="0"/>
+          </a:p>
+        </p:txBody>
+      </p:sp>
+    </p:spTree>
+    <p:extLst>
+      <p:ext uri="{BB962C8B-B14F-4D97-AF65-F5344CB8AC3E}">
+        <p14:creationId xmlns:p14="http://schemas.microsoft.com/office/powerpoint/2010/main" val="2534785651"/>
+      </p:ext>
+    </p:extLst>
+  </p:cSld>
+  <p:clrMapOvr>
+    <a:masterClrMapping/>
+  </p:clrMapOvr>
+</p:sld>
+</file>
+
+<file path=ppt/slides/slide21.xml><?xml version="1.0" encoding="utf-8"?>
+<p:sld xmlns:a="http://schemas.openxmlformats.org/drawingml/2006/main" xmlns:r="http://schemas.openxmlformats.org/officeDocument/2006/relationships" xmlns:p="http://schemas.openxmlformats.org/presentationml/2006/main">
+  <p:cSld>
+    <p:spTree>
+      <p:nvGrpSpPr>
+        <p:cNvPr id="1" name=""/>
+        <p:cNvGrpSpPr/>
+        <p:nvPr/>
+      </p:nvGrpSpPr>
+      <p:grpSpPr>
+        <a:xfrm>
+          <a:off x="0" y="0"/>
+          <a:ext cx="0" cy="0"/>
+          <a:chOff x="0" y="0"/>
+          <a:chExt cx="0" cy="0"/>
+        </a:xfrm>
+      </p:grpSpPr>
+      <p:sp>
+        <p:nvSpPr>
+          <p:cNvPr id="2" name="Заголовок 1"/>
+          <p:cNvSpPr>
+            <a:spLocks noGrp="1"/>
+          </p:cNvSpPr>
+          <p:nvPr>
+            <p:ph type="title"/>
+          </p:nvPr>
+        </p:nvSpPr>
+        <p:spPr>
+          <a:xfrm>
+            <a:off x="838200" y="365125"/>
+            <a:ext cx="10515600" cy="865469"/>
+          </a:xfrm>
+        </p:spPr>
+        <p:txBody>
+          <a:bodyPr/>
+          <a:lstStyle/>
+          <a:p>
+            <a:r>
+              <a:rPr lang="ru-RU" b="1" dirty="0"/>
+              <a:t>Наследование в </a:t>
+            </a:r>
+            <a:r>
+              <a:rPr lang="ru-RU" b="1" dirty="0" err="1"/>
+              <a:t>Python</a:t>
+            </a:r>
+            <a:r>
+              <a:rPr lang="ru-RU" b="1" dirty="0" smtClean="0"/>
+              <a:t>:</a:t>
+            </a:r>
+            <a:endParaRPr lang="ru-RU" b="1" dirty="0"/>
+          </a:p>
+        </p:txBody>
+      </p:sp>
+      <p:sp>
+        <p:nvSpPr>
+          <p:cNvPr id="3" name="Объект 2"/>
+          <p:cNvSpPr>
+            <a:spLocks noGrp="1"/>
+          </p:cNvSpPr>
+          <p:nvPr>
+            <p:ph idx="1"/>
+          </p:nvPr>
+        </p:nvSpPr>
+        <p:spPr>
+          <a:xfrm>
+            <a:off x="838200" y="2042445"/>
+            <a:ext cx="10515600" cy="4134518"/>
+          </a:xfrm>
+        </p:spPr>
+        <p:txBody>
+          <a:bodyPr>
+            <a:normAutofit/>
+          </a:bodyPr>
+          <a:lstStyle/>
+          <a:p>
+            <a:pPr marL="0" indent="0">
+              <a:buNone/>
+            </a:pPr>
+            <a:r>
+              <a:rPr lang="ru-RU" dirty="0" smtClean="0"/>
+              <a:t>Наследование </a:t>
+            </a:r>
+            <a:r>
+              <a:rPr lang="ru-RU" dirty="0"/>
+              <a:t>- это концепция объектно-ориентированного программирования, которая позволяет одному классу использовать функциональность другого класса. В </a:t>
+            </a:r>
+            <a:r>
+              <a:rPr lang="ru-RU" dirty="0" err="1"/>
+              <a:t>Python</a:t>
+            </a:r>
+            <a:r>
+              <a:rPr lang="ru-RU" dirty="0"/>
+              <a:t> класс может наследовать атрибуты и методы другого класса, чтобы повторно использовать код и создавать более обобщенные иерархии классов</a:t>
+            </a:r>
+            <a:r>
+              <a:rPr lang="ru-RU" dirty="0" smtClean="0"/>
+              <a:t>.</a:t>
+            </a:r>
+            <a:endParaRPr lang="ru-RU" dirty="0"/>
+          </a:p>
+        </p:txBody>
+      </p:sp>
+    </p:spTree>
+    <p:extLst>
+      <p:ext uri="{BB962C8B-B14F-4D97-AF65-F5344CB8AC3E}">
+        <p14:creationId xmlns:p14="http://schemas.microsoft.com/office/powerpoint/2010/main" val="3293464582"/>
+      </p:ext>
+    </p:extLst>
+  </p:cSld>
+  <p:clrMapOvr>
+    <a:masterClrMapping/>
+  </p:clrMapOvr>
+</p:sld>
+</file>
+
+<file path=ppt/slides/slide22.xml><?xml version="1.0" encoding="utf-8"?>
+<p:sld xmlns:a="http://schemas.openxmlformats.org/drawingml/2006/main" xmlns:r="http://schemas.openxmlformats.org/officeDocument/2006/relationships" xmlns:p="http://schemas.openxmlformats.org/presentationml/2006/main">
+  <p:cSld>
+    <p:spTree>
+      <p:nvGrpSpPr>
+        <p:cNvPr id="1" name=""/>
+        <p:cNvGrpSpPr/>
+        <p:nvPr/>
+      </p:nvGrpSpPr>
+      <p:grpSpPr>
+        <a:xfrm>
+          <a:off x="0" y="0"/>
+          <a:ext cx="0" cy="0"/>
+          <a:chOff x="0" y="0"/>
+          <a:chExt cx="0" cy="0"/>
+        </a:xfrm>
+      </p:grpSpPr>
+      <p:pic>
+        <p:nvPicPr>
+          <p:cNvPr id="4" name="Объект 3"/>
+          <p:cNvPicPr>
+            <a:picLocks noGrp="1" noChangeAspect="1"/>
+          </p:cNvPicPr>
+          <p:nvPr>
+            <p:ph idx="1"/>
+          </p:nvPr>
+        </p:nvPicPr>
+        <p:blipFill>
+          <a:blip r:embed="rId2"/>
+          <a:stretch>
+            <a:fillRect/>
+          </a:stretch>
+        </p:blipFill>
+        <p:spPr>
+          <a:xfrm>
+            <a:off x="1907042" y="253198"/>
+            <a:ext cx="8271341" cy="6301426"/>
+          </a:xfrm>
+          <a:prstGeom prst="rect">
+            <a:avLst/>
+          </a:prstGeom>
+        </p:spPr>
+      </p:pic>
+    </p:spTree>
+    <p:extLst>
+      <p:ext uri="{BB962C8B-B14F-4D97-AF65-F5344CB8AC3E}">
+        <p14:creationId xmlns:p14="http://schemas.microsoft.com/office/powerpoint/2010/main" val="4150155583"/>
+      </p:ext>
+    </p:extLst>
+  </p:cSld>
+  <p:clrMapOvr>
+    <a:masterClrMapping/>
+  </p:clrMapOvr>
+</p:sld>
+</file>
+
+<file path=ppt/slides/slide23.xml><?xml version="1.0" encoding="utf-8"?>
+<p:sld xmlns:a="http://schemas.openxmlformats.org/drawingml/2006/main" xmlns:r="http://schemas.openxmlformats.org/officeDocument/2006/relationships" xmlns:p="http://schemas.openxmlformats.org/presentationml/2006/main">
+  <p:cSld>
+    <p:spTree>
+      <p:nvGrpSpPr>
+        <p:cNvPr id="1" name=""/>
+        <p:cNvGrpSpPr/>
+        <p:nvPr/>
+      </p:nvGrpSpPr>
+      <p:grpSpPr>
+        <a:xfrm>
+          <a:off x="0" y="0"/>
+          <a:ext cx="0" cy="0"/>
+          <a:chOff x="0" y="0"/>
+          <a:chExt cx="0" cy="0"/>
+        </a:xfrm>
+      </p:grpSpPr>
+      <p:sp>
+        <p:nvSpPr>
+          <p:cNvPr id="3" name="Объект 2"/>
+          <p:cNvSpPr>
+            <a:spLocks noGrp="1"/>
+          </p:cNvSpPr>
+          <p:nvPr>
+            <p:ph idx="1"/>
+          </p:nvPr>
+        </p:nvSpPr>
+        <p:spPr>
+          <a:xfrm>
+            <a:off x="838200" y="1375873"/>
+            <a:ext cx="10515600" cy="4801090"/>
+          </a:xfrm>
+        </p:spPr>
+        <p:txBody>
+          <a:bodyPr/>
+          <a:lstStyle/>
+          <a:p>
+            <a:pPr marL="0" indent="0">
+              <a:buNone/>
+            </a:pPr>
+            <a:r>
+              <a:rPr lang="ru-RU" dirty="0"/>
+              <a:t>В приведенном примере </a:t>
+            </a:r>
+            <a:r>
+              <a:rPr lang="ru-RU" dirty="0" err="1"/>
+              <a:t>Animal</a:t>
+            </a:r>
+            <a:r>
+              <a:rPr lang="ru-RU" dirty="0"/>
+              <a:t> - это базовый класс, а </a:t>
+            </a:r>
+            <a:r>
+              <a:rPr lang="ru-RU" dirty="0" err="1"/>
+              <a:t>Dog</a:t>
+            </a:r>
+            <a:r>
+              <a:rPr lang="ru-RU" dirty="0"/>
+              <a:t> и </a:t>
+            </a:r>
+            <a:r>
+              <a:rPr lang="ru-RU" dirty="0" err="1"/>
+              <a:t>Cat</a:t>
+            </a:r>
+            <a:r>
+              <a:rPr lang="ru-RU" dirty="0"/>
+              <a:t> - классы-наследники (или подклассы). Классы-наследники получают атрибуты и методы от базового класса, но могут также переопределять методы или добавлять новые.</a:t>
+            </a:r>
+          </a:p>
+          <a:p>
+            <a:pPr marL="0" indent="0">
+              <a:buNone/>
+            </a:pPr>
+            <a:endParaRPr lang="ru-RU" dirty="0"/>
+          </a:p>
+          <a:p>
+            <a:pPr marL="0" indent="0">
+              <a:buNone/>
+            </a:pPr>
+            <a:r>
+              <a:rPr lang="ru-RU" dirty="0"/>
+              <a:t>В примере </a:t>
+            </a:r>
+            <a:r>
+              <a:rPr lang="ru-RU" dirty="0" err="1"/>
+              <a:t>Animal</a:t>
+            </a:r>
+            <a:r>
+              <a:rPr lang="ru-RU" dirty="0"/>
+              <a:t> имеет метод </a:t>
+            </a:r>
+            <a:r>
+              <a:rPr lang="ru-RU" dirty="0" err="1"/>
+              <a:t>speak</a:t>
+            </a:r>
+            <a:r>
+              <a:rPr lang="ru-RU" dirty="0"/>
+              <a:t>, который не реализован и поднимает исключение </a:t>
+            </a:r>
+            <a:r>
+              <a:rPr lang="ru-RU" dirty="0" err="1"/>
+              <a:t>NotImplementedError</a:t>
+            </a:r>
+            <a:r>
+              <a:rPr lang="ru-RU" dirty="0"/>
+              <a:t>. Этот метод предполагает, что подклассы должны предоставить свою реализацию.</a:t>
+            </a:r>
+          </a:p>
+        </p:txBody>
+      </p:sp>
+    </p:spTree>
+    <p:extLst>
+      <p:ext uri="{BB962C8B-B14F-4D97-AF65-F5344CB8AC3E}">
+        <p14:creationId xmlns:p14="http://schemas.microsoft.com/office/powerpoint/2010/main" val="2858428240"/>
+      </p:ext>
+    </p:extLst>
+  </p:cSld>
+  <p:clrMapOvr>
+    <a:masterClrMapping/>
+  </p:clrMapOvr>
+</p:sld>
+</file>
+
+<file path=ppt/slides/slide24.xml><?xml version="1.0" encoding="utf-8"?>
+<p:sld xmlns:a="http://schemas.openxmlformats.org/drawingml/2006/main" xmlns:r="http://schemas.openxmlformats.org/officeDocument/2006/relationships" xmlns:p="http://schemas.openxmlformats.org/presentationml/2006/main">
+  <p:cSld>
+    <p:spTree>
+      <p:nvGrpSpPr>
+        <p:cNvPr id="1" name=""/>
+        <p:cNvGrpSpPr/>
+        <p:nvPr/>
+      </p:nvGrpSpPr>
+      <p:grpSpPr>
+        <a:xfrm>
+          <a:off x="0" y="0"/>
+          <a:ext cx="0" cy="0"/>
+          <a:chOff x="0" y="0"/>
+          <a:chExt cx="0" cy="0"/>
+        </a:xfrm>
+      </p:grpSpPr>
+      <p:sp>
+        <p:nvSpPr>
+          <p:cNvPr id="2" name="Заголовок 1"/>
+          <p:cNvSpPr>
+            <a:spLocks noGrp="1"/>
+          </p:cNvSpPr>
+          <p:nvPr>
+            <p:ph type="title"/>
+          </p:nvPr>
+        </p:nvSpPr>
+        <p:spPr>
+          <a:xfrm>
+            <a:off x="838200" y="365126"/>
+            <a:ext cx="10515600" cy="668916"/>
+          </a:xfrm>
+        </p:spPr>
+        <p:txBody>
+          <a:bodyPr>
+            <a:normAutofit fontScale="90000"/>
+          </a:bodyPr>
+          <a:lstStyle/>
+          <a:p>
+            <a:r>
+              <a:rPr lang="ru-RU" b="1" dirty="0"/>
+              <a:t>Переопределение методов:</a:t>
+            </a:r>
+          </a:p>
+        </p:txBody>
+      </p:sp>
+      <p:sp>
+        <p:nvSpPr>
+          <p:cNvPr id="5" name="Объект 4"/>
+          <p:cNvSpPr>
+            <a:spLocks noGrp="1"/>
+          </p:cNvSpPr>
+          <p:nvPr>
+            <p:ph idx="1"/>
+          </p:nvPr>
+        </p:nvSpPr>
+        <p:spPr>
+          <a:xfrm>
+            <a:off x="5664771" y="1034042"/>
+            <a:ext cx="6290795" cy="5066010"/>
+          </a:xfrm>
+        </p:spPr>
+        <p:txBody>
+          <a:bodyPr/>
+          <a:lstStyle/>
+          <a:p>
+            <a:pPr marL="0" indent="0">
+              <a:buNone/>
+            </a:pPr>
+            <a:r>
+              <a:rPr lang="ru-RU" dirty="0"/>
+              <a:t>В этом примере метод </a:t>
+            </a:r>
+            <a:r>
+              <a:rPr lang="ru-RU" dirty="0" err="1"/>
+              <a:t>speak</a:t>
+            </a:r>
+            <a:r>
+              <a:rPr lang="ru-RU" dirty="0"/>
+              <a:t> переопределен в каждом из подклассов (</a:t>
+            </a:r>
+            <a:r>
+              <a:rPr lang="ru-RU" dirty="0" err="1"/>
+              <a:t>Dog</a:t>
+            </a:r>
+            <a:r>
+              <a:rPr lang="ru-RU" dirty="0"/>
+              <a:t> и </a:t>
+            </a:r>
+            <a:r>
+              <a:rPr lang="ru-RU" dirty="0" err="1"/>
+              <a:t>Cat</a:t>
+            </a:r>
+            <a:r>
+              <a:rPr lang="ru-RU" dirty="0"/>
+              <a:t>). Когда объект подкласса вызывает метод, будет использована его собственная реализация.</a:t>
+            </a:r>
+          </a:p>
+        </p:txBody>
+      </p:sp>
+      <p:pic>
+        <p:nvPicPr>
+          <p:cNvPr id="6" name="Рисунок 5"/>
+          <p:cNvPicPr>
+            <a:picLocks noChangeAspect="1"/>
+          </p:cNvPicPr>
+          <p:nvPr/>
+        </p:nvPicPr>
+        <p:blipFill>
+          <a:blip r:embed="rId2"/>
+          <a:stretch>
+            <a:fillRect/>
+          </a:stretch>
+        </p:blipFill>
+        <p:spPr>
+          <a:xfrm>
+            <a:off x="838200" y="1034042"/>
+            <a:ext cx="4711626" cy="5649081"/>
+          </a:xfrm>
+          <a:prstGeom prst="rect">
+            <a:avLst/>
+          </a:prstGeom>
+        </p:spPr>
+      </p:pic>
+    </p:spTree>
+    <p:extLst>
+      <p:ext uri="{BB962C8B-B14F-4D97-AF65-F5344CB8AC3E}">
+        <p14:creationId xmlns:p14="http://schemas.microsoft.com/office/powerpoint/2010/main" val="4022863404"/>
+      </p:ext>
+    </p:extLst>
+  </p:cSld>
+  <p:clrMapOvr>
+    <a:masterClrMapping/>
+  </p:clrMapOvr>
+</p:sld>
+</file>
+
+<file path=ppt/slides/slide25.xml><?xml version="1.0" encoding="utf-8"?>
+<p:sld xmlns:a="http://schemas.openxmlformats.org/drawingml/2006/main" xmlns:r="http://schemas.openxmlformats.org/officeDocument/2006/relationships" xmlns:p="http://schemas.openxmlformats.org/presentationml/2006/main">
+  <p:cSld>
+    <p:spTree>
+      <p:nvGrpSpPr>
+        <p:cNvPr id="1" name=""/>
+        <p:cNvGrpSpPr/>
+        <p:nvPr/>
+      </p:nvGrpSpPr>
+      <p:grpSpPr>
+        <a:xfrm>
+          <a:off x="0" y="0"/>
+          <a:ext cx="0" cy="0"/>
+          <a:chOff x="0" y="0"/>
+          <a:chExt cx="0" cy="0"/>
+        </a:xfrm>
+      </p:grpSpPr>
+      <p:sp>
+        <p:nvSpPr>
+          <p:cNvPr id="2" name="Заголовок 1"/>
+          <p:cNvSpPr>
+            <a:spLocks noGrp="1"/>
+          </p:cNvSpPr>
+          <p:nvPr>
+            <p:ph type="title"/>
+          </p:nvPr>
+        </p:nvSpPr>
+        <p:spPr>
+          <a:xfrm>
+            <a:off x="838200" y="365126"/>
+            <a:ext cx="10515600" cy="745828"/>
+          </a:xfrm>
+        </p:spPr>
+        <p:txBody>
+          <a:bodyPr/>
+          <a:lstStyle/>
+          <a:p>
+            <a:r>
+              <a:rPr lang="ru-RU" b="1"/>
+              <a:t>Вызов метода родительского класса:</a:t>
+            </a:r>
+            <a:endParaRPr lang="ru-RU"/>
+          </a:p>
+        </p:txBody>
+      </p:sp>
+      <p:pic>
+        <p:nvPicPr>
+          <p:cNvPr id="4" name="Объект 3"/>
+          <p:cNvPicPr>
+            <a:picLocks noGrp="1" noChangeAspect="1"/>
+          </p:cNvPicPr>
+          <p:nvPr>
+            <p:ph idx="1"/>
+          </p:nvPr>
+        </p:nvPicPr>
+        <p:blipFill>
+          <a:blip r:embed="rId2"/>
+          <a:stretch>
+            <a:fillRect/>
+          </a:stretch>
+        </p:blipFill>
+        <p:spPr>
+          <a:xfrm>
+            <a:off x="838199" y="1110954"/>
+            <a:ext cx="4938757" cy="5626575"/>
+          </a:xfrm>
+          <a:prstGeom prst="rect">
+            <a:avLst/>
+          </a:prstGeom>
+        </p:spPr>
+      </p:pic>
+      <p:sp>
+        <p:nvSpPr>
+          <p:cNvPr id="5" name="TextBox 4"/>
+          <p:cNvSpPr txBox="1"/>
+          <p:nvPr/>
+        </p:nvSpPr>
+        <p:spPr>
+          <a:xfrm>
+            <a:off x="5952392" y="1186962"/>
+            <a:ext cx="5961185" cy="3108543"/>
+          </a:xfrm>
+          <a:prstGeom prst="rect">
+            <a:avLst/>
+          </a:prstGeom>
+          <a:noFill/>
+        </p:spPr>
+        <p:txBody>
+          <a:bodyPr wrap="square" rtlCol="0">
+            <a:spAutoFit/>
+          </a:bodyPr>
+          <a:lstStyle/>
+          <a:p>
+            <a:r>
+              <a:rPr lang="ru-RU" sz="2800" dirty="0" err="1"/>
+              <a:t>super</a:t>
+            </a:r>
+            <a:r>
+              <a:rPr lang="ru-RU" sz="2800" dirty="0"/>
+              <a:t>() используется для вызова метода родительского класса. В этом примере, когда </a:t>
+            </a:r>
+            <a:r>
+              <a:rPr lang="ru-RU" sz="2800" dirty="0" err="1"/>
+              <a:t>speak</a:t>
+            </a:r>
+            <a:r>
+              <a:rPr lang="ru-RU" sz="2800" dirty="0"/>
+              <a:t> вызывается у объекта </a:t>
+            </a:r>
+            <a:r>
+              <a:rPr lang="ru-RU" sz="2800" dirty="0" err="1"/>
+              <a:t>Dog</a:t>
+            </a:r>
+            <a:r>
+              <a:rPr lang="ru-RU" sz="2800" dirty="0"/>
+              <a:t> или </a:t>
+            </a:r>
+            <a:r>
+              <a:rPr lang="ru-RU" sz="2800" dirty="0" err="1"/>
+              <a:t>Cat</a:t>
+            </a:r>
+            <a:r>
+              <a:rPr lang="ru-RU" sz="2800" dirty="0"/>
+              <a:t>, он сначала вызывает </a:t>
+            </a:r>
+            <a:r>
+              <a:rPr lang="ru-RU" sz="2800" dirty="0" err="1"/>
+              <a:t>speak</a:t>
+            </a:r>
+            <a:r>
+              <a:rPr lang="ru-RU" sz="2800" dirty="0"/>
+              <a:t> из класса </a:t>
+            </a:r>
+            <a:r>
+              <a:rPr lang="ru-RU" sz="2800" dirty="0" err="1"/>
+              <a:t>Animal</a:t>
+            </a:r>
+            <a:r>
+              <a:rPr lang="ru-RU" sz="2800" dirty="0"/>
+              <a:t>, а затем добавляет свой собственный звук (</a:t>
+            </a:r>
+            <a:r>
+              <a:rPr lang="ru-RU" sz="2800" dirty="0" err="1"/>
+              <a:t>Woof</a:t>
+            </a:r>
+            <a:r>
+              <a:rPr lang="ru-RU" sz="2800" dirty="0"/>
+              <a:t>! или </a:t>
+            </a:r>
+            <a:r>
+              <a:rPr lang="ru-RU" sz="2800" dirty="0" err="1"/>
+              <a:t>Meow</a:t>
+            </a:r>
+            <a:r>
+              <a:rPr lang="ru-RU" sz="2800" dirty="0"/>
+              <a:t>!).</a:t>
+            </a:r>
+          </a:p>
+        </p:txBody>
+      </p:sp>
+    </p:spTree>
+    <p:extLst>
+      <p:ext uri="{BB962C8B-B14F-4D97-AF65-F5344CB8AC3E}">
+        <p14:creationId xmlns:p14="http://schemas.microsoft.com/office/powerpoint/2010/main" val="3020631980"/>
+      </p:ext>
+    </p:extLst>
+  </p:cSld>
+  <p:clrMapOvr>
+    <a:masterClrMapping/>
+  </p:clrMapOvr>
+</p:sld>
+</file>
+
+<file path=ppt/slides/slide26.xml><?xml version="1.0" encoding="utf-8"?>
+<p:sld xmlns:a="http://schemas.openxmlformats.org/drawingml/2006/main" xmlns:r="http://schemas.openxmlformats.org/officeDocument/2006/relationships" xmlns:p="http://schemas.openxmlformats.org/presentationml/2006/main">
+  <p:cSld>
+    <p:spTree>
+      <p:nvGrpSpPr>
+        <p:cNvPr id="1" name=""/>
+        <p:cNvGrpSpPr/>
+        <p:nvPr/>
+      </p:nvGrpSpPr>
+      <p:grpSpPr>
+        <a:xfrm>
+          <a:off x="0" y="0"/>
+          <a:ext cx="0" cy="0"/>
+          <a:chOff x="0" y="0"/>
+          <a:chExt cx="0" cy="0"/>
+        </a:xfrm>
+      </p:grpSpPr>
+      <p:sp>
+        <p:nvSpPr>
+          <p:cNvPr id="3" name="Объект 2"/>
+          <p:cNvSpPr>
+            <a:spLocks noGrp="1"/>
+          </p:cNvSpPr>
+          <p:nvPr>
+            <p:ph idx="1"/>
+          </p:nvPr>
+        </p:nvSpPr>
+        <p:spPr>
+          <a:xfrm>
+            <a:off x="838200" y="350378"/>
+            <a:ext cx="10515600" cy="6187155"/>
+          </a:xfrm>
+        </p:spPr>
+        <p:txBody>
+          <a:bodyPr>
+            <a:normAutofit lnSpcReduction="10000"/>
+          </a:bodyPr>
+          <a:lstStyle/>
+          <a:p>
+            <a:r>
+              <a:rPr lang="ru-RU" dirty="0"/>
+              <a:t>Создайте базовый класс </a:t>
+            </a:r>
+            <a:r>
+              <a:rPr lang="ru-RU" dirty="0" err="1">
+                <a:solidFill>
+                  <a:srgbClr val="FF0000"/>
+                </a:solidFill>
+              </a:rPr>
+              <a:t>Vehicle</a:t>
+            </a:r>
+            <a:r>
+              <a:rPr lang="ru-RU" dirty="0"/>
+              <a:t> со следующими атрибутами: </a:t>
+            </a:r>
+            <a:r>
+              <a:rPr lang="ru-RU" dirty="0" err="1">
+                <a:solidFill>
+                  <a:srgbClr val="FF0000"/>
+                </a:solidFill>
+              </a:rPr>
+              <a:t>brand</a:t>
+            </a:r>
+            <a:r>
+              <a:rPr lang="ru-RU" dirty="0"/>
+              <a:t> и </a:t>
+            </a:r>
+            <a:r>
+              <a:rPr lang="ru-RU" dirty="0" err="1">
+                <a:solidFill>
+                  <a:srgbClr val="FF0000"/>
+                </a:solidFill>
+              </a:rPr>
+              <a:t>model</a:t>
+            </a:r>
+            <a:r>
+              <a:rPr lang="ru-RU" dirty="0"/>
+              <a:t>. У этого класса должен быть метод </a:t>
+            </a:r>
+            <a:r>
+              <a:rPr lang="ru-RU" dirty="0" err="1">
+                <a:solidFill>
+                  <a:srgbClr val="FF0000"/>
+                </a:solidFill>
+              </a:rPr>
+              <a:t>display_info</a:t>
+            </a:r>
+            <a:r>
+              <a:rPr lang="ru-RU" dirty="0"/>
+              <a:t>, который выводит информацию о марке и модели транспортного средства.</a:t>
+            </a:r>
+          </a:p>
+          <a:p>
+            <a:endParaRPr lang="ru-RU" dirty="0"/>
+          </a:p>
+          <a:p>
+            <a:r>
+              <a:rPr lang="ru-RU" dirty="0"/>
+              <a:t>Создайте подклассы </a:t>
+            </a:r>
+            <a:r>
+              <a:rPr lang="ru-RU" dirty="0" err="1">
+                <a:solidFill>
+                  <a:srgbClr val="FF0000"/>
+                </a:solidFill>
+              </a:rPr>
+              <a:t>Car</a:t>
+            </a:r>
+            <a:r>
+              <a:rPr lang="ru-RU" dirty="0"/>
+              <a:t> и </a:t>
+            </a:r>
+            <a:r>
+              <a:rPr lang="ru-RU" dirty="0" err="1">
+                <a:solidFill>
+                  <a:srgbClr val="FF0000"/>
+                </a:solidFill>
+              </a:rPr>
+              <a:t>Motorcycle</a:t>
+            </a:r>
+            <a:r>
+              <a:rPr lang="ru-RU" dirty="0"/>
+              <a:t>, которые наследуются от класса </a:t>
+            </a:r>
+            <a:r>
+              <a:rPr lang="ru-RU" dirty="0" err="1">
+                <a:solidFill>
+                  <a:srgbClr val="FF0000"/>
+                </a:solidFill>
+              </a:rPr>
+              <a:t>Vehicle</a:t>
+            </a:r>
+            <a:r>
+              <a:rPr lang="ru-RU" dirty="0"/>
+              <a:t>. Каждый из этих подклассов должен иметь дополнительный атрибут: </a:t>
+            </a:r>
+            <a:r>
+              <a:rPr lang="ru-RU" dirty="0" err="1">
+                <a:solidFill>
+                  <a:srgbClr val="FF0000"/>
+                </a:solidFill>
+              </a:rPr>
+              <a:t>num_wheels</a:t>
+            </a:r>
+            <a:r>
+              <a:rPr lang="ru-RU" dirty="0"/>
+              <a:t> для </a:t>
+            </a:r>
+            <a:r>
+              <a:rPr lang="ru-RU" dirty="0" err="1">
+                <a:solidFill>
+                  <a:srgbClr val="FF0000"/>
+                </a:solidFill>
+              </a:rPr>
+              <a:t>Car</a:t>
+            </a:r>
+            <a:r>
+              <a:rPr lang="ru-RU" dirty="0"/>
+              <a:t> и </a:t>
+            </a:r>
+            <a:r>
+              <a:rPr lang="ru-RU" dirty="0" err="1">
+                <a:solidFill>
+                  <a:srgbClr val="FF0000"/>
+                </a:solidFill>
+              </a:rPr>
+              <a:t>num_wheels</a:t>
+            </a:r>
+            <a:r>
+              <a:rPr lang="ru-RU" dirty="0"/>
+              <a:t> для </a:t>
+            </a:r>
+            <a:r>
+              <a:rPr lang="ru-RU" dirty="0" err="1">
+                <a:solidFill>
+                  <a:srgbClr val="FF0000"/>
+                </a:solidFill>
+              </a:rPr>
+              <a:t>Motorcycle</a:t>
+            </a:r>
+            <a:r>
+              <a:rPr lang="ru-RU" dirty="0"/>
+              <a:t>.</a:t>
+            </a:r>
+          </a:p>
+          <a:p>
+            <a:endParaRPr lang="ru-RU" dirty="0"/>
+          </a:p>
+          <a:p>
+            <a:r>
+              <a:rPr lang="ru-RU" dirty="0"/>
+              <a:t>Переопределите метод </a:t>
+            </a:r>
+            <a:r>
+              <a:rPr lang="ru-RU" dirty="0" err="1">
+                <a:solidFill>
+                  <a:srgbClr val="FF0000"/>
+                </a:solidFill>
+              </a:rPr>
+              <a:t>display_info</a:t>
+            </a:r>
+            <a:r>
+              <a:rPr lang="ru-RU" dirty="0"/>
+              <a:t> в каждом из подклассов так, чтобы он также выводил информацию о количестве колес.</a:t>
+            </a:r>
+          </a:p>
+          <a:p>
+            <a:endParaRPr lang="ru-RU" dirty="0"/>
+          </a:p>
+          <a:p>
+            <a:r>
+              <a:rPr lang="ru-RU" dirty="0"/>
+              <a:t>Создайте объекты </a:t>
+            </a:r>
+            <a:r>
+              <a:rPr lang="ru-RU" dirty="0" err="1">
+                <a:solidFill>
+                  <a:srgbClr val="FF0000"/>
+                </a:solidFill>
+              </a:rPr>
+              <a:t>Car</a:t>
+            </a:r>
+            <a:r>
+              <a:rPr lang="ru-RU" dirty="0"/>
+              <a:t> и </a:t>
+            </a:r>
+            <a:r>
+              <a:rPr lang="ru-RU" dirty="0" err="1">
+                <a:solidFill>
+                  <a:srgbClr val="FF0000"/>
+                </a:solidFill>
+              </a:rPr>
+              <a:t>Motorcycle</a:t>
+            </a:r>
+            <a:r>
+              <a:rPr lang="ru-RU" dirty="0"/>
+              <a:t>, задайте им значения для атрибутов и вызовите метод </a:t>
+            </a:r>
+            <a:r>
+              <a:rPr lang="ru-RU" dirty="0" err="1">
+                <a:solidFill>
+                  <a:srgbClr val="FF0000"/>
+                </a:solidFill>
+              </a:rPr>
+              <a:t>display_info</a:t>
+            </a:r>
+            <a:r>
+              <a:rPr lang="ru-RU" dirty="0"/>
+              <a:t> для каждого объекта.</a:t>
+            </a:r>
+          </a:p>
+        </p:txBody>
+      </p:sp>
+    </p:spTree>
+    <p:extLst>
+      <p:ext uri="{BB962C8B-B14F-4D97-AF65-F5344CB8AC3E}">
+        <p14:creationId xmlns:p14="http://schemas.microsoft.com/office/powerpoint/2010/main" val="3398845554"/>
+      </p:ext>
+    </p:extLst>
+  </p:cSld>
+  <p:clrMapOvr>
+    <a:masterClrMapping/>
+  </p:clrMapOvr>
+</p:sld>
+</file>
+
+<file path=ppt/slides/slide27.xml><?xml version="1.0" encoding="utf-8"?>
+<p:sld xmlns:a="http://schemas.openxmlformats.org/drawingml/2006/main" xmlns:r="http://schemas.openxmlformats.org/officeDocument/2006/relationships" xmlns:p="http://schemas.openxmlformats.org/presentationml/2006/main">
+  <p:cSld>
+    <p:spTree>
+      <p:nvGrpSpPr>
+        <p:cNvPr id="1" name=""/>
+        <p:cNvGrpSpPr/>
+        <p:nvPr/>
+      </p:nvGrpSpPr>
+      <p:grpSpPr>
+        <a:xfrm>
+          <a:off x="0" y="0"/>
+          <a:ext cx="0" cy="0"/>
+          <a:chOff x="0" y="0"/>
+          <a:chExt cx="0" cy="0"/>
+        </a:xfrm>
+      </p:grpSpPr>
+      <p:pic>
+        <p:nvPicPr>
+          <p:cNvPr id="4" name="Объект 3"/>
+          <p:cNvPicPr>
+            <a:picLocks noGrp="1" noChangeAspect="1"/>
+          </p:cNvPicPr>
+          <p:nvPr>
+            <p:ph idx="1"/>
+          </p:nvPr>
+        </p:nvPicPr>
+        <p:blipFill>
+          <a:blip r:embed="rId2"/>
+          <a:stretch>
+            <a:fillRect/>
+          </a:stretch>
+        </p:blipFill>
+        <p:spPr>
+          <a:xfrm>
+            <a:off x="2789720" y="133558"/>
+            <a:ext cx="6226094" cy="6635270"/>
+          </a:xfrm>
+          <a:prstGeom prst="rect">
+            <a:avLst/>
+          </a:prstGeom>
+        </p:spPr>
+      </p:pic>
+    </p:spTree>
+    <p:extLst>
+      <p:ext uri="{BB962C8B-B14F-4D97-AF65-F5344CB8AC3E}">
+        <p14:creationId xmlns:p14="http://schemas.microsoft.com/office/powerpoint/2010/main" val="1555002436"/>
       </p:ext>
     </p:extLst>
   </p:cSld>
